--- a/docs/Präsentation.pptx
+++ b/docs/Präsentation.pptx
@@ -11866,7 +11866,7 @@
           <a:p>
             <a:r>
               <a:rPr lang="de-DE" dirty="0"/>
-              <a:t>Im nachhinein gibt es zwei hauptsächliche Merkmale, welche uns die Arbeit während des Projektes um einiges hätten vereinfachen können. Dazu gehört die Nutzung von GIT-Funktionen und der Python Tests.</a:t>
+              <a:t>Im Nachhinein gibt es zwei hauptsächliche Merkmale, welche uns die Arbeit während des Projektes um einiges hätten vereinfachen können. Dazu gehört die Nutzung von GIT-Funktionen und der Python Tests.</a:t>
             </a:r>
           </a:p>
           <a:p>
@@ -12209,7 +12209,7 @@
             </a:r>
             <a:r>
               <a:rPr lang="en-US" dirty="0" err="1"/>
-              <a:t>Überlick</a:t>
+              <a:t>Überblick</a:t>
             </a:r>
             <a:r>
               <a:rPr lang="en-US" dirty="0"/>
